--- a/08_3rd Hometask.pptx
+++ b/08_3rd Hometask.pptx
@@ -210,7 +210,7 @@
           <a:p>
             <a:fld id="{1DB76E83-2840-4410-AC31-CC5DD5F4026F}" type="datetimeFigureOut">
               <a:rPr lang="en-US" smtClean="0"/>
-              <a:t>4/9/2023</a:t>
+              <a:t>5/16/2023</a:t>
             </a:fld>
             <a:endParaRPr lang="en-US"/>
           </a:p>
@@ -657,7 +657,7 @@
             <a:fld id="{1D8BD707-D9CF-40AE-B4C6-C98DA3205C09}" type="datetimeFigureOut">
               <a:rPr lang="en-US" smtClean="0"/>
               <a:pPr/>
-              <a:t>4/9/2023</a:t>
+              <a:t>5/16/2023</a:t>
             </a:fld>
             <a:endParaRPr lang="en-US"/>
           </a:p>
@@ -822,7 +822,7 @@
             <a:fld id="{1D8BD707-D9CF-40AE-B4C6-C98DA3205C09}" type="datetimeFigureOut">
               <a:rPr lang="en-US" smtClean="0"/>
               <a:pPr/>
-              <a:t>4/9/2023</a:t>
+              <a:t>5/16/2023</a:t>
             </a:fld>
             <a:endParaRPr lang="en-US"/>
           </a:p>
@@ -997,7 +997,7 @@
             <a:fld id="{1D8BD707-D9CF-40AE-B4C6-C98DA3205C09}" type="datetimeFigureOut">
               <a:rPr lang="en-US" smtClean="0"/>
               <a:pPr/>
-              <a:t>4/9/2023</a:t>
+              <a:t>5/16/2023</a:t>
             </a:fld>
             <a:endParaRPr lang="en-US"/>
           </a:p>
@@ -1162,7 +1162,7 @@
             <a:fld id="{1D8BD707-D9CF-40AE-B4C6-C98DA3205C09}" type="datetimeFigureOut">
               <a:rPr lang="en-US" smtClean="0"/>
               <a:pPr/>
-              <a:t>4/9/2023</a:t>
+              <a:t>5/16/2023</a:t>
             </a:fld>
             <a:endParaRPr lang="en-US"/>
           </a:p>
@@ -1404,7 +1404,7 @@
             <a:fld id="{1D8BD707-D9CF-40AE-B4C6-C98DA3205C09}" type="datetimeFigureOut">
               <a:rPr lang="en-US" smtClean="0"/>
               <a:pPr/>
-              <a:t>4/9/2023</a:t>
+              <a:t>5/16/2023</a:t>
             </a:fld>
             <a:endParaRPr lang="en-US"/>
           </a:p>
@@ -1686,7 +1686,7 @@
             <a:fld id="{1D8BD707-D9CF-40AE-B4C6-C98DA3205C09}" type="datetimeFigureOut">
               <a:rPr lang="en-US" smtClean="0"/>
               <a:pPr/>
-              <a:t>4/9/2023</a:t>
+              <a:t>5/16/2023</a:t>
             </a:fld>
             <a:endParaRPr lang="en-US"/>
           </a:p>
@@ -2102,7 +2102,7 @@
             <a:fld id="{1D8BD707-D9CF-40AE-B4C6-C98DA3205C09}" type="datetimeFigureOut">
               <a:rPr lang="en-US" smtClean="0"/>
               <a:pPr/>
-              <a:t>4/9/2023</a:t>
+              <a:t>5/16/2023</a:t>
             </a:fld>
             <a:endParaRPr lang="en-US"/>
           </a:p>
@@ -2216,7 +2216,7 @@
             <a:fld id="{1D8BD707-D9CF-40AE-B4C6-C98DA3205C09}" type="datetimeFigureOut">
               <a:rPr lang="en-US" smtClean="0"/>
               <a:pPr/>
-              <a:t>4/9/2023</a:t>
+              <a:t>5/16/2023</a:t>
             </a:fld>
             <a:endParaRPr lang="en-US"/>
           </a:p>
@@ -2308,7 +2308,7 @@
             <a:fld id="{1D8BD707-D9CF-40AE-B4C6-C98DA3205C09}" type="datetimeFigureOut">
               <a:rPr lang="en-US" smtClean="0"/>
               <a:pPr/>
-              <a:t>4/9/2023</a:t>
+              <a:t>5/16/2023</a:t>
             </a:fld>
             <a:endParaRPr lang="en-US"/>
           </a:p>
@@ -2580,7 +2580,7 @@
             <a:fld id="{1D8BD707-D9CF-40AE-B4C6-C98DA3205C09}" type="datetimeFigureOut">
               <a:rPr lang="en-US" smtClean="0"/>
               <a:pPr/>
-              <a:t>4/9/2023</a:t>
+              <a:t>5/16/2023</a:t>
             </a:fld>
             <a:endParaRPr lang="en-US"/>
           </a:p>
@@ -2829,7 +2829,7 @@
             <a:fld id="{1D8BD707-D9CF-40AE-B4C6-C98DA3205C09}" type="datetimeFigureOut">
               <a:rPr lang="en-US" smtClean="0"/>
               <a:pPr/>
-              <a:t>4/9/2023</a:t>
+              <a:t>5/16/2023</a:t>
             </a:fld>
             <a:endParaRPr lang="en-US"/>
           </a:p>
@@ -3037,7 +3037,7 @@
             <a:fld id="{1D8BD707-D9CF-40AE-B4C6-C98DA3205C09}" type="datetimeFigureOut">
               <a:rPr lang="en-US" smtClean="0"/>
               <a:pPr/>
-              <a:t>4/9/2023</a:t>
+              <a:t>5/16/2023</a:t>
             </a:fld>
             <a:endParaRPr lang="en-US"/>
           </a:p>
